--- a/Images/metodeim.pptx
+++ b/Images/metodeim.pptx
@@ -897,7 +897,7 @@
           <a:p>
             <a:fld id="{7A06B5F6-C487-402E-9F6E-9D9B19B99E31}" type="datetimeFigureOut">
               <a:rPr lang="en-US" smtClean="0"/>
-              <a:t>6/18/2020</a:t>
+              <a:t>6/24/2020</a:t>
             </a:fld>
             <a:endParaRPr lang="en-US"/>
           </a:p>
@@ -1097,7 +1097,7 @@
           <a:p>
             <a:fld id="{7A06B5F6-C487-402E-9F6E-9D9B19B99E31}" type="datetimeFigureOut">
               <a:rPr lang="en-US" smtClean="0"/>
-              <a:t>6/18/2020</a:t>
+              <a:t>6/24/2020</a:t>
             </a:fld>
             <a:endParaRPr lang="en-US"/>
           </a:p>
@@ -1307,7 +1307,7 @@
           <a:p>
             <a:fld id="{7A06B5F6-C487-402E-9F6E-9D9B19B99E31}" type="datetimeFigureOut">
               <a:rPr lang="en-US" smtClean="0"/>
-              <a:t>6/18/2020</a:t>
+              <a:t>6/24/2020</a:t>
             </a:fld>
             <a:endParaRPr lang="en-US"/>
           </a:p>
@@ -1507,7 +1507,7 @@
           <a:p>
             <a:fld id="{7A06B5F6-C487-402E-9F6E-9D9B19B99E31}" type="datetimeFigureOut">
               <a:rPr lang="en-US" smtClean="0"/>
-              <a:t>6/18/2020</a:t>
+              <a:t>6/24/2020</a:t>
             </a:fld>
             <a:endParaRPr lang="en-US"/>
           </a:p>
@@ -1783,7 +1783,7 @@
           <a:p>
             <a:fld id="{7A06B5F6-C487-402E-9F6E-9D9B19B99E31}" type="datetimeFigureOut">
               <a:rPr lang="en-US" smtClean="0"/>
-              <a:t>6/18/2020</a:t>
+              <a:t>6/24/2020</a:t>
             </a:fld>
             <a:endParaRPr lang="en-US"/>
           </a:p>
@@ -2051,7 +2051,7 @@
           <a:p>
             <a:fld id="{7A06B5F6-C487-402E-9F6E-9D9B19B99E31}" type="datetimeFigureOut">
               <a:rPr lang="en-US" smtClean="0"/>
-              <a:t>6/18/2020</a:t>
+              <a:t>6/24/2020</a:t>
             </a:fld>
             <a:endParaRPr lang="en-US"/>
           </a:p>
@@ -2466,7 +2466,7 @@
           <a:p>
             <a:fld id="{7A06B5F6-C487-402E-9F6E-9D9B19B99E31}" type="datetimeFigureOut">
               <a:rPr lang="en-US" smtClean="0"/>
-              <a:t>6/18/2020</a:t>
+              <a:t>6/24/2020</a:t>
             </a:fld>
             <a:endParaRPr lang="en-US"/>
           </a:p>
@@ -2608,7 +2608,7 @@
           <a:p>
             <a:fld id="{7A06B5F6-C487-402E-9F6E-9D9B19B99E31}" type="datetimeFigureOut">
               <a:rPr lang="en-US" smtClean="0"/>
-              <a:t>6/18/2020</a:t>
+              <a:t>6/24/2020</a:t>
             </a:fld>
             <a:endParaRPr lang="en-US"/>
           </a:p>
@@ -2721,7 +2721,7 @@
           <a:p>
             <a:fld id="{7A06B5F6-C487-402E-9F6E-9D9B19B99E31}" type="datetimeFigureOut">
               <a:rPr lang="en-US" smtClean="0"/>
-              <a:t>6/18/2020</a:t>
+              <a:t>6/24/2020</a:t>
             </a:fld>
             <a:endParaRPr lang="en-US"/>
           </a:p>
@@ -3034,7 +3034,7 @@
           <a:p>
             <a:fld id="{7A06B5F6-C487-402E-9F6E-9D9B19B99E31}" type="datetimeFigureOut">
               <a:rPr lang="en-US" smtClean="0"/>
-              <a:t>6/18/2020</a:t>
+              <a:t>6/24/2020</a:t>
             </a:fld>
             <a:endParaRPr lang="en-US"/>
           </a:p>
@@ -3323,7 +3323,7 @@
           <a:p>
             <a:fld id="{7A06B5F6-C487-402E-9F6E-9D9B19B99E31}" type="datetimeFigureOut">
               <a:rPr lang="en-US" smtClean="0"/>
-              <a:t>6/18/2020</a:t>
+              <a:t>6/24/2020</a:t>
             </a:fld>
             <a:endParaRPr lang="en-US"/>
           </a:p>
@@ -3566,7 +3566,7 @@
           <a:p>
             <a:fld id="{7A06B5F6-C487-402E-9F6E-9D9B19B99E31}" type="datetimeFigureOut">
               <a:rPr lang="en-US" smtClean="0"/>
-              <a:t>6/18/2020</a:t>
+              <a:t>6/24/2020</a:t>
             </a:fld>
             <a:endParaRPr lang="en-US"/>
           </a:p>
@@ -4185,8 +4185,8 @@
           </a:p>
         </p:txBody>
       </p:sp>
-      <mc:AlternateContent xmlns:mc="http://schemas.openxmlformats.org/markup-compatibility/2006">
-        <mc:Choice xmlns:a14="http://schemas.microsoft.com/office/drawing/2010/main" Requires="a14">
+      <mc:AlternateContent xmlns:mc="http://schemas.openxmlformats.org/markup-compatibility/2006" xmlns:a14="http://schemas.microsoft.com/office/drawing/2010/main">
+        <mc:Choice Requires="a14">
           <p:sp>
             <p:nvSpPr>
               <p:cNvPr id="13" name="Tekstfelt 12">
@@ -4266,7 +4266,7 @@
             </p:txBody>
           </p:sp>
         </mc:Choice>
-        <mc:Fallback>
+        <mc:Fallback xmlns="">
           <p:sp>
             <p:nvSpPr>
               <p:cNvPr id="13" name="Tekstfelt 12">
@@ -4311,8 +4311,8 @@
           </p:sp>
         </mc:Fallback>
       </mc:AlternateContent>
-      <mc:AlternateContent xmlns:mc="http://schemas.openxmlformats.org/markup-compatibility/2006">
-        <mc:Choice xmlns:a14="http://schemas.microsoft.com/office/drawing/2010/main" Requires="a14">
+      <mc:AlternateContent xmlns:mc="http://schemas.openxmlformats.org/markup-compatibility/2006" xmlns:a14="http://schemas.microsoft.com/office/drawing/2010/main">
+        <mc:Choice Requires="a14">
           <p:sp>
             <p:nvSpPr>
               <p:cNvPr id="14" name="Rektangel 13">
@@ -4389,7 +4389,7 @@
             </p:txBody>
           </p:sp>
         </mc:Choice>
-        <mc:Fallback>
+        <mc:Fallback xmlns="">
           <p:sp>
             <p:nvSpPr>
               <p:cNvPr id="14" name="Rektangel 13">
@@ -4434,8 +4434,8 @@
           </p:sp>
         </mc:Fallback>
       </mc:AlternateContent>
-      <mc:AlternateContent xmlns:mc="http://schemas.openxmlformats.org/markup-compatibility/2006">
-        <mc:Choice xmlns:a14="http://schemas.microsoft.com/office/drawing/2010/main" Requires="a14">
+      <mc:AlternateContent xmlns:mc="http://schemas.openxmlformats.org/markup-compatibility/2006" xmlns:a14="http://schemas.microsoft.com/office/drawing/2010/main">
+        <mc:Choice Requires="a14">
           <p:sp>
             <p:nvSpPr>
               <p:cNvPr id="15" name="Rektangel 14">
@@ -4512,7 +4512,7 @@
             </p:txBody>
           </p:sp>
         </mc:Choice>
-        <mc:Fallback>
+        <mc:Fallback xmlns="">
           <p:sp>
             <p:nvSpPr>
               <p:cNvPr id="15" name="Rektangel 14">
@@ -5260,7 +5260,19 @@
                       <a:rPr lang="da-DK" b="0" i="1" smtClean="0">
                         <a:latin typeface="Cambria Math" panose="02040503050406030204" pitchFamily="18" charset="0"/>
                       </a:rPr>
-                      <m:t>=(0,0)</m:t>
+                      <m:t>=(</m:t>
+                    </m:r>
+                    <m:r>
+                      <a:rPr lang="da-DK" b="0" i="1" smtClean="0">
+                        <a:latin typeface="Cambria Math" panose="02040503050406030204" pitchFamily="18" charset="0"/>
+                      </a:rPr>
+                      <m:t>1,1</m:t>
+                    </m:r>
+                    <m:r>
+                      <a:rPr lang="da-DK" b="0" i="1" smtClean="0">
+                        <a:latin typeface="Cambria Math" panose="02040503050406030204" pitchFamily="18" charset="0"/>
+                      </a:rPr>
+                      <m:t>)</m:t>
                     </m:r>
                   </m:oMath>
                 </a14:m>
@@ -5314,8 +5326,8 @@
           </p:sp>
         </mc:Fallback>
       </mc:AlternateContent>
-      <mc:AlternateContent xmlns:mc="http://schemas.openxmlformats.org/markup-compatibility/2006">
-        <mc:Choice xmlns:a14="http://schemas.microsoft.com/office/drawing/2010/main" Requires="a14">
+      <mc:AlternateContent xmlns:mc="http://schemas.openxmlformats.org/markup-compatibility/2006" xmlns:a14="http://schemas.microsoft.com/office/drawing/2010/main">
+        <mc:Choice Requires="a14">
           <p:sp>
             <p:nvSpPr>
               <p:cNvPr id="25" name="Tekstfelt 24">
@@ -6191,25 +6203,7 @@
                         </a:solidFill>
                         <a:latin typeface="Cambria Math" panose="02040503050406030204" pitchFamily="18" charset="0"/>
                       </a:rPr>
-                      <m:t>=</m:t>
-                    </m:r>
-                    <m:r>
-                      <a:rPr lang="da-DK" sz="1400" b="0" i="1" smtClean="0">
-                        <a:solidFill>
-                          <a:srgbClr val="FF0000"/>
-                        </a:solidFill>
-                        <a:latin typeface="Cambria Math" panose="02040503050406030204" pitchFamily="18" charset="0"/>
-                      </a:rPr>
-                      <m:t>1</m:t>
-                    </m:r>
-                    <m:r>
-                      <a:rPr lang="da-DK" sz="1400" b="0" i="1" smtClean="0">
-                        <a:solidFill>
-                          <a:srgbClr val="FF0000"/>
-                        </a:solidFill>
-                        <a:latin typeface="Cambria Math" panose="02040503050406030204" pitchFamily="18" charset="0"/>
-                      </a:rPr>
-                      <m:t> </m:t>
+                      <m:t>=1 </m:t>
                     </m:r>
                   </m:oMath>
                 </a14:m>
@@ -6221,7 +6215,7 @@
             </p:txBody>
           </p:sp>
         </mc:Choice>
-        <mc:Fallback>
+        <mc:Fallback xmlns="">
           <p:sp>
             <p:nvSpPr>
               <p:cNvPr id="25" name="Tekstfelt 24">
@@ -6450,8 +6444,8 @@
           </a:p>
         </p:txBody>
       </p:sp>
-      <mc:AlternateContent xmlns:mc="http://schemas.openxmlformats.org/markup-compatibility/2006">
-        <mc:Choice xmlns:a14="http://schemas.microsoft.com/office/drawing/2010/main" Requires="a14">
+      <mc:AlternateContent xmlns:mc="http://schemas.openxmlformats.org/markup-compatibility/2006" xmlns:a14="http://schemas.microsoft.com/office/drawing/2010/main">
+        <mc:Choice Requires="a14">
           <p:sp>
             <p:nvSpPr>
               <p:cNvPr id="8" name="Tekstfelt 7">
@@ -6531,7 +6525,7 @@
             </p:txBody>
           </p:sp>
         </mc:Choice>
-        <mc:Fallback>
+        <mc:Fallback xmlns="">
           <p:sp>
             <p:nvSpPr>
               <p:cNvPr id="8" name="Tekstfelt 7">
@@ -6576,8 +6570,8 @@
           </p:sp>
         </mc:Fallback>
       </mc:AlternateContent>
-      <mc:AlternateContent xmlns:mc="http://schemas.openxmlformats.org/markup-compatibility/2006">
-        <mc:Choice xmlns:a14="http://schemas.microsoft.com/office/drawing/2010/main" Requires="a14">
+      <mc:AlternateContent xmlns:mc="http://schemas.openxmlformats.org/markup-compatibility/2006" xmlns:a14="http://schemas.microsoft.com/office/drawing/2010/main">
+        <mc:Choice Requires="a14">
           <p:sp>
             <p:nvSpPr>
               <p:cNvPr id="9" name="Rektangel 8">
@@ -6658,7 +6652,7 @@
             </p:txBody>
           </p:sp>
         </mc:Choice>
-        <mc:Fallback>
+        <mc:Fallback xmlns="">
           <p:sp>
             <p:nvSpPr>
               <p:cNvPr id="9" name="Rektangel 8">
@@ -6703,8 +6697,8 @@
           </p:sp>
         </mc:Fallback>
       </mc:AlternateContent>
-      <mc:AlternateContent xmlns:mc="http://schemas.openxmlformats.org/markup-compatibility/2006">
-        <mc:Choice xmlns:a14="http://schemas.microsoft.com/office/drawing/2010/main" Requires="a14">
+      <mc:AlternateContent xmlns:mc="http://schemas.openxmlformats.org/markup-compatibility/2006" xmlns:a14="http://schemas.microsoft.com/office/drawing/2010/main">
+        <mc:Choice Requires="a14">
           <p:sp>
             <p:nvSpPr>
               <p:cNvPr id="10" name="Rektangel 9">
@@ -6781,7 +6775,7 @@
             </p:txBody>
           </p:sp>
         </mc:Choice>
-        <mc:Fallback>
+        <mc:Fallback xmlns="">
           <p:sp>
             <p:nvSpPr>
               <p:cNvPr id="10" name="Rektangel 9">
@@ -7184,8 +7178,8 @@
           </a:p>
         </p:txBody>
       </p:sp>
-      <mc:AlternateContent xmlns:mc="http://schemas.openxmlformats.org/markup-compatibility/2006">
-        <mc:Choice xmlns:a14="http://schemas.microsoft.com/office/drawing/2010/main" Requires="a14">
+      <mc:AlternateContent xmlns:mc="http://schemas.openxmlformats.org/markup-compatibility/2006" xmlns:a14="http://schemas.microsoft.com/office/drawing/2010/main">
+        <mc:Choice Requires="a14">
           <p:sp>
             <p:nvSpPr>
               <p:cNvPr id="15" name="Tekstfelt 14">
@@ -8073,7 +8067,7 @@
             </p:txBody>
           </p:sp>
         </mc:Choice>
-        <mc:Fallback>
+        <mc:Fallback xmlns="">
           <p:sp>
             <p:nvSpPr>
               <p:cNvPr id="15" name="Tekstfelt 14">
@@ -8576,7 +8570,19 @@
                       <a:rPr lang="da-DK" b="0" i="1" smtClean="0">
                         <a:latin typeface="Cambria Math" panose="02040503050406030204" pitchFamily="18" charset="0"/>
                       </a:rPr>
-                      <m:t>=(1,1)</m:t>
+                      <m:t>=(</m:t>
+                    </m:r>
+                    <m:r>
+                      <a:rPr lang="da-DK" b="0" i="1" smtClean="0">
+                        <a:latin typeface="Cambria Math" panose="02040503050406030204" pitchFamily="18" charset="0"/>
+                      </a:rPr>
+                      <m:t>0,0</m:t>
+                    </m:r>
+                    <m:r>
+                      <a:rPr lang="da-DK" b="0" i="1" smtClean="0">
+                        <a:latin typeface="Cambria Math" panose="02040503050406030204" pitchFamily="18" charset="0"/>
+                      </a:rPr>
+                      <m:t>)</m:t>
                     </m:r>
                   </m:oMath>
                 </a14:m>
@@ -8802,8 +8808,8 @@
           </a:p>
         </p:txBody>
       </p:sp>
-      <mc:AlternateContent xmlns:mc="http://schemas.openxmlformats.org/markup-compatibility/2006">
-        <mc:Choice xmlns:a14="http://schemas.microsoft.com/office/drawing/2010/main" Requires="a14">
+      <mc:AlternateContent xmlns:mc="http://schemas.openxmlformats.org/markup-compatibility/2006" xmlns:a14="http://schemas.microsoft.com/office/drawing/2010/main">
+        <mc:Choice Requires="a14">
           <p:sp>
             <p:nvSpPr>
               <p:cNvPr id="9" name="Rektangel 8">
@@ -8884,7 +8890,7 @@
             </p:txBody>
           </p:sp>
         </mc:Choice>
-        <mc:Fallback>
+        <mc:Fallback xmlns="">
           <p:sp>
             <p:nvSpPr>
               <p:cNvPr id="9" name="Rektangel 8">
@@ -8929,8 +8935,8 @@
           </p:sp>
         </mc:Fallback>
       </mc:AlternateContent>
-      <mc:AlternateContent xmlns:mc="http://schemas.openxmlformats.org/markup-compatibility/2006">
-        <mc:Choice xmlns:a14="http://schemas.microsoft.com/office/drawing/2010/main" Requires="a14">
+      <mc:AlternateContent xmlns:mc="http://schemas.openxmlformats.org/markup-compatibility/2006" xmlns:a14="http://schemas.microsoft.com/office/drawing/2010/main">
+        <mc:Choice Requires="a14">
           <p:sp>
             <p:nvSpPr>
               <p:cNvPr id="10" name="Rektangel 9">
@@ -9007,7 +9013,7 @@
             </p:txBody>
           </p:sp>
         </mc:Choice>
-        <mc:Fallback>
+        <mc:Fallback xmlns="">
           <p:sp>
             <p:nvSpPr>
               <p:cNvPr id="10" name="Rektangel 9">
@@ -9410,8 +9416,8 @@
           </a:p>
         </p:txBody>
       </p:sp>
-      <mc:AlternateContent xmlns:mc="http://schemas.openxmlformats.org/markup-compatibility/2006">
-        <mc:Choice xmlns:a14="http://schemas.microsoft.com/office/drawing/2010/main" Requires="a14">
+      <mc:AlternateContent xmlns:mc="http://schemas.openxmlformats.org/markup-compatibility/2006" xmlns:a14="http://schemas.microsoft.com/office/drawing/2010/main">
+        <mc:Choice Requires="a14">
           <p:sp>
             <p:nvSpPr>
               <p:cNvPr id="15" name="Tekstfelt 14">
@@ -10017,7 +10023,7 @@
             </p:txBody>
           </p:sp>
         </mc:Choice>
-        <mc:Fallback>
+        <mc:Fallback xmlns="">
           <p:sp>
             <p:nvSpPr>
               <p:cNvPr id="15" name="Tekstfelt 14">
@@ -10745,21 +10751,6 @@
 </file>
 
 <file path=customXml/item1.xml><?xml version="1.0" encoding="utf-8"?>
-<p:properties xmlns:p="http://schemas.microsoft.com/office/2006/metadata/properties" xmlns:xsi="http://www.w3.org/2001/XMLSchema-instance" xmlns:pc="http://schemas.microsoft.com/office/infopath/2007/PartnerControls">
-  <documentManagement/>
-</p:properties>
-</file>
-
-<file path=customXml/item2.xml><?xml version="1.0" encoding="utf-8"?>
-<?mso-contentType ?>
-<FormTemplates xmlns="http://schemas.microsoft.com/sharepoint/v3/contenttype/forms">
-  <Display>DocumentLibraryForm</Display>
-  <Edit>DocumentLibraryForm</Edit>
-  <New>DocumentLibraryForm</New>
-</FormTemplates>
-</file>
-
-<file path=customXml/item3.xml><?xml version="1.0" encoding="utf-8"?>
 <ct:contentTypeSchema xmlns:ct="http://schemas.microsoft.com/office/2006/metadata/contentType" xmlns:ma="http://schemas.microsoft.com/office/2006/metadata/properties/metaAttributes" ct:_="" ma:_="" ma:contentTypeName="Dokument" ma:contentTypeID="0x010100EE4B0B4C22A0B046867BD73DBE65599C" ma:contentTypeVersion="12" ma:contentTypeDescription="Opret et nyt dokument." ma:contentTypeScope="" ma:versionID="f81847b3bff0a65afe180dd0a9c3371e">
   <xsd:schema xmlns:xsd="http://www.w3.org/2001/XMLSchema" xmlns:xs="http://www.w3.org/2001/XMLSchema" xmlns:p="http://schemas.microsoft.com/office/2006/metadata/properties" xmlns:ns3="9607fe25-1244-4e13-b3b5-422d34e443d7" xmlns:ns4="923e3bed-4026-461e-8afc-03d2ee3beca5" targetNamespace="http://schemas.microsoft.com/office/2006/metadata/properties" ma:root="true" ma:fieldsID="91d9394aaa23ac1620fdd13406b629f3" ns3:_="" ns4:_="">
     <xsd:import namespace="9607fe25-1244-4e13-b3b5-422d34e443d7"/>
@@ -10976,24 +10967,22 @@
 </ct:contentTypeSchema>
 </file>
 
-<file path=customXml/itemProps1.xml><?xml version="1.0" encoding="utf-8"?>
-<ds:datastoreItem xmlns:ds="http://schemas.openxmlformats.org/officeDocument/2006/customXml" ds:itemID="{A77DA0AF-DB5A-4F7F-A9BC-3D14EB247BC9}">
-  <ds:schemaRefs>
-    <ds:schemaRef ds:uri="http://schemas.microsoft.com/office/2006/metadata/properties"/>
-    <ds:schemaRef ds:uri="http://schemas.microsoft.com/office/infopath/2007/PartnerControls"/>
-  </ds:schemaRefs>
-</ds:datastoreItem>
+<file path=customXml/item2.xml><?xml version="1.0" encoding="utf-8"?>
+<?mso-contentType ?>
+<FormTemplates xmlns="http://schemas.microsoft.com/sharepoint/v3/contenttype/forms">
+  <Display>DocumentLibraryForm</Display>
+  <Edit>DocumentLibraryForm</Edit>
+  <New>DocumentLibraryForm</New>
+</FormTemplates>
 </file>
 
-<file path=customXml/itemProps2.xml><?xml version="1.0" encoding="utf-8"?>
-<ds:datastoreItem xmlns:ds="http://schemas.openxmlformats.org/officeDocument/2006/customXml" ds:itemID="{20620137-2E76-4623-B957-19ED12A860A1}">
-  <ds:schemaRefs>
-    <ds:schemaRef ds:uri="http://schemas.microsoft.com/sharepoint/v3/contenttype/forms"/>
-  </ds:schemaRefs>
-</ds:datastoreItem>
+<file path=customXml/item3.xml><?xml version="1.0" encoding="utf-8"?>
+<p:properties xmlns:p="http://schemas.microsoft.com/office/2006/metadata/properties" xmlns:xsi="http://www.w3.org/2001/XMLSchema-instance" xmlns:pc="http://schemas.microsoft.com/office/infopath/2007/PartnerControls">
+  <documentManagement/>
+</p:properties>
 </file>
 
-<file path=customXml/itemProps3.xml><?xml version="1.0" encoding="utf-8"?>
+<file path=customXml/itemProps1.xml><?xml version="1.0" encoding="utf-8"?>
 <ds:datastoreItem xmlns:ds="http://schemas.openxmlformats.org/officeDocument/2006/customXml" ds:itemID="{0196EDD9-CDD1-4A52-BE84-5C82BA5FC7EB}">
   <ds:schemaRefs>
     <ds:schemaRef ds:uri="http://schemas.microsoft.com/office/2006/metadata/contentType"/>
@@ -11010,4 +10999,21 @@
     <ds:schemaRef ds:uri="http://schemas.microsoft.com/internal/obd"/>
   </ds:schemaRefs>
 </ds:datastoreItem>
+</file>
+
+<file path=customXml/itemProps2.xml><?xml version="1.0" encoding="utf-8"?>
+<ds:datastoreItem xmlns:ds="http://schemas.openxmlformats.org/officeDocument/2006/customXml" ds:itemID="{20620137-2E76-4623-B957-19ED12A860A1}">
+  <ds:schemaRefs>
+    <ds:schemaRef ds:uri="http://schemas.microsoft.com/sharepoint/v3/contenttype/forms"/>
+  </ds:schemaRefs>
+</ds:datastoreItem>
+</file>
+
+<file path=customXml/itemProps3.xml><?xml version="1.0" encoding="utf-8"?>
+<ds:datastoreItem xmlns:ds="http://schemas.openxmlformats.org/officeDocument/2006/customXml" ds:itemID="{A77DA0AF-DB5A-4F7F-A9BC-3D14EB247BC9}">
+  <ds:schemaRefs>
+    <ds:schemaRef ds:uri="http://schemas.microsoft.com/office/2006/metadata/properties"/>
+    <ds:schemaRef ds:uri="http://schemas.microsoft.com/office/infopath/2007/PartnerControls"/>
+  </ds:schemaRefs>
+</ds:datastoreItem>
 </file>